--- a/Textbooks/Tsung-Dao Lee.pptx
+++ b/Textbooks/Tsung-Dao Lee.pptx
@@ -518,7 +518,7 @@
             </a:r>
             <a:br/>
             <a:r>
-              <a:t>Knight, 3rd edition, Chapter 42, Section 2  </a:t>
+              <a:t>Knight, Physics for Scientists and Engineers: A Strategic Approach with Modern Physics, 3rd Edition, Chapter 42, Section 2  </a:t>
             </a:r>
             <a:br/>
             <a:r>

--- a/Textbooks/Tsung-Dao Lee.pptx
+++ b/Textbooks/Tsung-Dao Lee.pptx
@@ -518,31 +518,7 @@
             </a:r>
             <a:br/>
             <a:r>
-              <a:t>Knight, Physics for Scientists and Engineers: A Strategic Approach with Modern Physics, 3rd Edition, Chapter 42, Section 2  </a:t>
-            </a:r>
-            <a:br/>
-            <a:r>
-              <a:t>  </a:t>
-            </a:r>
-            <a:br/>
-            <a:r>
-              <a:t># Textbook  </a:t>
-            </a:r>
-            <a:br/>
-            <a:r>
-              <a:t>  </a:t>
-            </a:r>
-            <a:br/>
-            <a:r>
-              <a:t>  </a:t>
-            </a:r>
-            <a:br/>
-            <a:r>
-              <a:t># Textbook  </a:t>
-            </a:r>
-            <a:br/>
-            <a:r>
-              <a:t>  </a:t>
+              <a:t>Knight, Physics for Scientists and Engineers: A Strategic Approach with Modern Physics, 3rd Edition, Chapter 42, Section 2</a:t>
             </a:r>
             <a:br/>
             <a:r>
